--- a/plots/Fig7 applicability.pptx
+++ b/plots/Fig7 applicability.pptx
@@ -197,7 +197,7 @@
           <a:p>
             <a:fld id="{4F97FC17-05F1-5941-99BF-2CFB8DD61DE7}" type="datetimeFigureOut">
               <a:rPr lang="en-US" smtClean="0"/>
-              <a:t>6/26/24</a:t>
+              <a:t>7/12/24</a:t>
             </a:fld>
             <a:endParaRPr lang="en-US"/>
           </a:p>
@@ -685,7 +685,7 @@
           <a:p>
             <a:fld id="{CE5BC49A-E8DF-6544-B7B9-136C9E9A9884}" type="datetimeFigureOut">
               <a:rPr lang="en-US" smtClean="0"/>
-              <a:t>6/26/24</a:t>
+              <a:t>7/12/24</a:t>
             </a:fld>
             <a:endParaRPr lang="en-US"/>
           </a:p>
@@ -855,7 +855,7 @@
           <a:p>
             <a:fld id="{CE5BC49A-E8DF-6544-B7B9-136C9E9A9884}" type="datetimeFigureOut">
               <a:rPr lang="en-US" smtClean="0"/>
-              <a:t>6/26/24</a:t>
+              <a:t>7/12/24</a:t>
             </a:fld>
             <a:endParaRPr lang="en-US"/>
           </a:p>
@@ -1035,7 +1035,7 @@
           <a:p>
             <a:fld id="{CE5BC49A-E8DF-6544-B7B9-136C9E9A9884}" type="datetimeFigureOut">
               <a:rPr lang="en-US" smtClean="0"/>
-              <a:t>6/26/24</a:t>
+              <a:t>7/12/24</a:t>
             </a:fld>
             <a:endParaRPr lang="en-US"/>
           </a:p>
@@ -1205,7 +1205,7 @@
           <a:p>
             <a:fld id="{CE5BC49A-E8DF-6544-B7B9-136C9E9A9884}" type="datetimeFigureOut">
               <a:rPr lang="en-US" smtClean="0"/>
-              <a:t>6/26/24</a:t>
+              <a:t>7/12/24</a:t>
             </a:fld>
             <a:endParaRPr lang="en-US"/>
           </a:p>
@@ -1451,7 +1451,7 @@
           <a:p>
             <a:fld id="{CE5BC49A-E8DF-6544-B7B9-136C9E9A9884}" type="datetimeFigureOut">
               <a:rPr lang="en-US" smtClean="0"/>
-              <a:t>6/26/24</a:t>
+              <a:t>7/12/24</a:t>
             </a:fld>
             <a:endParaRPr lang="en-US"/>
           </a:p>
@@ -1683,7 +1683,7 @@
           <a:p>
             <a:fld id="{CE5BC49A-E8DF-6544-B7B9-136C9E9A9884}" type="datetimeFigureOut">
               <a:rPr lang="en-US" smtClean="0"/>
-              <a:t>6/26/24</a:t>
+              <a:t>7/12/24</a:t>
             </a:fld>
             <a:endParaRPr lang="en-US"/>
           </a:p>
@@ -2050,7 +2050,7 @@
           <a:p>
             <a:fld id="{CE5BC49A-E8DF-6544-B7B9-136C9E9A9884}" type="datetimeFigureOut">
               <a:rPr lang="en-US" smtClean="0"/>
-              <a:t>6/26/24</a:t>
+              <a:t>7/12/24</a:t>
             </a:fld>
             <a:endParaRPr lang="en-US"/>
           </a:p>
@@ -2168,7 +2168,7 @@
           <a:p>
             <a:fld id="{CE5BC49A-E8DF-6544-B7B9-136C9E9A9884}" type="datetimeFigureOut">
               <a:rPr lang="en-US" smtClean="0"/>
-              <a:t>6/26/24</a:t>
+              <a:t>7/12/24</a:t>
             </a:fld>
             <a:endParaRPr lang="en-US"/>
           </a:p>
@@ -2263,7 +2263,7 @@
           <a:p>
             <a:fld id="{CE5BC49A-E8DF-6544-B7B9-136C9E9A9884}" type="datetimeFigureOut">
               <a:rPr lang="en-US" smtClean="0"/>
-              <a:t>6/26/24</a:t>
+              <a:t>7/12/24</a:t>
             </a:fld>
             <a:endParaRPr lang="en-US"/>
           </a:p>
@@ -2540,7 +2540,7 @@
           <a:p>
             <a:fld id="{CE5BC49A-E8DF-6544-B7B9-136C9E9A9884}" type="datetimeFigureOut">
               <a:rPr lang="en-US" smtClean="0"/>
-              <a:t>6/26/24</a:t>
+              <a:t>7/12/24</a:t>
             </a:fld>
             <a:endParaRPr lang="en-US"/>
           </a:p>
@@ -2797,7 +2797,7 @@
           <a:p>
             <a:fld id="{CE5BC49A-E8DF-6544-B7B9-136C9E9A9884}" type="datetimeFigureOut">
               <a:rPr lang="en-US" smtClean="0"/>
-              <a:t>6/26/24</a:t>
+              <a:t>7/12/24</a:t>
             </a:fld>
             <a:endParaRPr lang="en-US"/>
           </a:p>
@@ -3010,7 +3010,7 @@
           <a:p>
             <a:fld id="{CE5BC49A-E8DF-6544-B7B9-136C9E9A9884}" type="datetimeFigureOut">
               <a:rPr lang="en-US" smtClean="0"/>
-              <a:t>6/26/24</a:t>
+              <a:t>7/12/24</a:t>
             </a:fld>
             <a:endParaRPr lang="en-US"/>
           </a:p>
@@ -3490,9 +3490,9 @@
         <p:grpSpPr>
           <a:xfrm>
             <a:off x="1006508" y="260257"/>
-            <a:ext cx="3167927" cy="3676215"/>
+            <a:ext cx="3125543" cy="3676215"/>
             <a:chOff x="2380810" y="2604712"/>
-            <a:chExt cx="3167927" cy="3676215"/>
+            <a:chExt cx="3125543" cy="3676215"/>
           </a:xfrm>
         </p:grpSpPr>
         <p:sp>
@@ -3636,7 +3636,7 @@
             <p:nvPr>
               <p:extLst>
                 <p:ext uri="{D42A27DB-BD31-4B8C-83A1-F6EECF244321}">
-                  <p14:modId xmlns:p14="http://schemas.microsoft.com/office/powerpoint/2010/main" val="1480991012"/>
+                  <p14:modId xmlns:p14="http://schemas.microsoft.com/office/powerpoint/2010/main" val="1744379739"/>
                 </p:ext>
               </p:extLst>
             </p:nvPr>
@@ -3780,7 +3780,7 @@
                           <a:rPr lang="en-US" sz="1500" dirty="0">
                             <a:latin typeface="Helvetica" pitchFamily="2" charset="0"/>
                           </a:rPr>
-                          <a:t>False</a:t>
+                          <a:t>false</a:t>
                         </a:r>
                       </a:p>
                     </a:txBody>
@@ -3827,7 +3827,7 @@
                           <a:rPr lang="en-US" sz="1500" dirty="0">
                             <a:latin typeface="Helvetica" pitchFamily="2" charset="0"/>
                           </a:rPr>
-                          <a:t>True</a:t>
+                          <a:t>true</a:t>
                         </a:r>
                       </a:p>
                     </a:txBody>
@@ -4127,7 +4127,7 @@
                           <a:rPr lang="en-US" sz="1500" dirty="0">
                             <a:latin typeface="Helvetica" pitchFamily="2" charset="0"/>
                           </a:rPr>
-                          <a:t>False</a:t>
+                          <a:t>false</a:t>
                         </a:r>
                       </a:p>
                     </a:txBody>
@@ -4357,7 +4357,7 @@
                           <a:rPr lang="en-US" sz="1500" dirty="0">
                             <a:latin typeface="Helvetica" pitchFamily="2" charset="0"/>
                           </a:rPr>
-                          <a:t>True</a:t>
+                          <a:t>true</a:t>
                         </a:r>
                       </a:p>
                     </a:txBody>
@@ -4605,8 +4605,8 @@
           </p:nvSpPr>
           <p:spPr>
             <a:xfrm>
-              <a:off x="2813885" y="3460308"/>
-              <a:ext cx="2734852" cy="323165"/>
+              <a:off x="2856269" y="3460308"/>
+              <a:ext cx="2650084" cy="323165"/>
             </a:xfrm>
             <a:prstGeom prst="rect">
               <a:avLst/>
@@ -4624,7 +4624,7 @@
                 <a:rPr lang="en-US" sz="1500" b="1" dirty="0">
                   <a:latin typeface="Helvetica" pitchFamily="2" charset="0"/>
                 </a:rPr>
-                <a:t>IF F1 = True THEN F2 = True</a:t>
+                <a:t>IF F1 = true THEN F2 = true</a:t>
               </a:r>
             </a:p>
           </p:txBody>
@@ -4861,9 +4861,9 @@
         <p:grpSpPr>
           <a:xfrm>
             <a:off x="4811458" y="260257"/>
-            <a:ext cx="3174340" cy="3676215"/>
+            <a:ext cx="3131956" cy="3676215"/>
             <a:chOff x="2380810" y="2604712"/>
-            <a:chExt cx="3174340" cy="3676215"/>
+            <a:chExt cx="3131956" cy="3676215"/>
           </a:xfrm>
         </p:grpSpPr>
         <p:sp>
@@ -5007,7 +5007,7 @@
             <p:nvPr>
               <p:extLst>
                 <p:ext uri="{D42A27DB-BD31-4B8C-83A1-F6EECF244321}">
-                  <p14:modId xmlns:p14="http://schemas.microsoft.com/office/powerpoint/2010/main" val="432391096"/>
+                  <p14:modId xmlns:p14="http://schemas.microsoft.com/office/powerpoint/2010/main" val="1094702504"/>
                 </p:ext>
               </p:extLst>
             </p:nvPr>
@@ -5151,7 +5151,7 @@
                           <a:rPr lang="en-US" sz="1500" dirty="0">
                             <a:latin typeface="Helvetica" pitchFamily="2" charset="0"/>
                           </a:rPr>
-                          <a:t>False</a:t>
+                          <a:t>false</a:t>
                         </a:r>
                       </a:p>
                     </a:txBody>
@@ -5198,7 +5198,7 @@
                           <a:rPr lang="en-US" sz="1500" dirty="0">
                             <a:latin typeface="Helvetica" pitchFamily="2" charset="0"/>
                           </a:rPr>
-                          <a:t>True</a:t>
+                          <a:t>true</a:t>
                         </a:r>
                       </a:p>
                     </a:txBody>
@@ -5498,7 +5498,7 @@
                           <a:rPr lang="en-US" sz="1500" dirty="0">
                             <a:latin typeface="Helvetica" pitchFamily="2" charset="0"/>
                           </a:rPr>
-                          <a:t>False</a:t>
+                          <a:t>false</a:t>
                         </a:r>
                       </a:p>
                     </a:txBody>
@@ -5731,7 +5731,7 @@
                           <a:rPr lang="en-US" sz="1500" dirty="0">
                             <a:latin typeface="Helvetica" pitchFamily="2" charset="0"/>
                           </a:rPr>
-                          <a:t>True</a:t>
+                          <a:t>true</a:t>
                         </a:r>
                       </a:p>
                     </a:txBody>
@@ -5979,8 +5979,8 @@
           </p:nvSpPr>
           <p:spPr>
             <a:xfrm>
-              <a:off x="2807475" y="3460308"/>
-              <a:ext cx="2747675" cy="323165"/>
+              <a:off x="2849858" y="3460308"/>
+              <a:ext cx="2662908" cy="323165"/>
             </a:xfrm>
             <a:prstGeom prst="rect">
               <a:avLst/>
@@ -5998,14 +5998,14 @@
                 <a:rPr lang="en-US" sz="1500" b="1" dirty="0">
                   <a:latin typeface="Helvetica" pitchFamily="2" charset="0"/>
                 </a:rPr>
-                <a:t>F1 = True OR/AND F2 = True</a:t>
+                <a:t>F1 = true OR/AND F2 = true</a:t>
               </a:r>
             </a:p>
           </p:txBody>
         </p:sp>
       </p:grpSp>
-      <mc:AlternateContent xmlns:mc="http://schemas.openxmlformats.org/markup-compatibility/2006">
-        <mc:Choice xmlns:a14="http://schemas.microsoft.com/office/drawing/2010/main" Requires="a14">
+      <mc:AlternateContent xmlns:mc="http://schemas.openxmlformats.org/markup-compatibility/2006" xmlns:a14="http://schemas.microsoft.com/office/drawing/2010/main">
+        <mc:Choice Requires="a14">
           <p:sp>
             <p:nvSpPr>
               <p:cNvPr id="48" name="TextBox 47">
@@ -6115,7 +6115,7 @@
             </p:txBody>
           </p:sp>
         </mc:Choice>
-        <mc:Fallback>
+        <mc:Fallback xmlns="">
           <p:sp>
             <p:nvSpPr>
               <p:cNvPr id="48" name="TextBox 47">

--- a/plots/Fig7 applicability.pptx
+++ b/plots/Fig7 applicability.pptx
@@ -197,7 +197,7 @@
           <a:p>
             <a:fld id="{4F97FC17-05F1-5941-99BF-2CFB8DD61DE7}" type="datetimeFigureOut">
               <a:rPr lang="en-US" smtClean="0"/>
-              <a:t>7/12/24</a:t>
+              <a:t>11/6/24</a:t>
             </a:fld>
             <a:endParaRPr lang="en-US"/>
           </a:p>
@@ -685,7 +685,7 @@
           <a:p>
             <a:fld id="{CE5BC49A-E8DF-6544-B7B9-136C9E9A9884}" type="datetimeFigureOut">
               <a:rPr lang="en-US" smtClean="0"/>
-              <a:t>7/12/24</a:t>
+              <a:t>11/6/24</a:t>
             </a:fld>
             <a:endParaRPr lang="en-US"/>
           </a:p>
@@ -855,7 +855,7 @@
           <a:p>
             <a:fld id="{CE5BC49A-E8DF-6544-B7B9-136C9E9A9884}" type="datetimeFigureOut">
               <a:rPr lang="en-US" smtClean="0"/>
-              <a:t>7/12/24</a:t>
+              <a:t>11/6/24</a:t>
             </a:fld>
             <a:endParaRPr lang="en-US"/>
           </a:p>
@@ -1035,7 +1035,7 @@
           <a:p>
             <a:fld id="{CE5BC49A-E8DF-6544-B7B9-136C9E9A9884}" type="datetimeFigureOut">
               <a:rPr lang="en-US" smtClean="0"/>
-              <a:t>7/12/24</a:t>
+              <a:t>11/6/24</a:t>
             </a:fld>
             <a:endParaRPr lang="en-US"/>
           </a:p>
@@ -1205,7 +1205,7 @@
           <a:p>
             <a:fld id="{CE5BC49A-E8DF-6544-B7B9-136C9E9A9884}" type="datetimeFigureOut">
               <a:rPr lang="en-US" smtClean="0"/>
-              <a:t>7/12/24</a:t>
+              <a:t>11/6/24</a:t>
             </a:fld>
             <a:endParaRPr lang="en-US"/>
           </a:p>
@@ -1451,7 +1451,7 @@
           <a:p>
             <a:fld id="{CE5BC49A-E8DF-6544-B7B9-136C9E9A9884}" type="datetimeFigureOut">
               <a:rPr lang="en-US" smtClean="0"/>
-              <a:t>7/12/24</a:t>
+              <a:t>11/6/24</a:t>
             </a:fld>
             <a:endParaRPr lang="en-US"/>
           </a:p>
@@ -1683,7 +1683,7 @@
           <a:p>
             <a:fld id="{CE5BC49A-E8DF-6544-B7B9-136C9E9A9884}" type="datetimeFigureOut">
               <a:rPr lang="en-US" smtClean="0"/>
-              <a:t>7/12/24</a:t>
+              <a:t>11/6/24</a:t>
             </a:fld>
             <a:endParaRPr lang="en-US"/>
           </a:p>
@@ -2050,7 +2050,7 @@
           <a:p>
             <a:fld id="{CE5BC49A-E8DF-6544-B7B9-136C9E9A9884}" type="datetimeFigureOut">
               <a:rPr lang="en-US" smtClean="0"/>
-              <a:t>7/12/24</a:t>
+              <a:t>11/6/24</a:t>
             </a:fld>
             <a:endParaRPr lang="en-US"/>
           </a:p>
@@ -2168,7 +2168,7 @@
           <a:p>
             <a:fld id="{CE5BC49A-E8DF-6544-B7B9-136C9E9A9884}" type="datetimeFigureOut">
               <a:rPr lang="en-US" smtClean="0"/>
-              <a:t>7/12/24</a:t>
+              <a:t>11/6/24</a:t>
             </a:fld>
             <a:endParaRPr lang="en-US"/>
           </a:p>
@@ -2263,7 +2263,7 @@
           <a:p>
             <a:fld id="{CE5BC49A-E8DF-6544-B7B9-136C9E9A9884}" type="datetimeFigureOut">
               <a:rPr lang="en-US" smtClean="0"/>
-              <a:t>7/12/24</a:t>
+              <a:t>11/6/24</a:t>
             </a:fld>
             <a:endParaRPr lang="en-US"/>
           </a:p>
@@ -2540,7 +2540,7 @@
           <a:p>
             <a:fld id="{CE5BC49A-E8DF-6544-B7B9-136C9E9A9884}" type="datetimeFigureOut">
               <a:rPr lang="en-US" smtClean="0"/>
-              <a:t>7/12/24</a:t>
+              <a:t>11/6/24</a:t>
             </a:fld>
             <a:endParaRPr lang="en-US"/>
           </a:p>
@@ -2797,7 +2797,7 @@
           <a:p>
             <a:fld id="{CE5BC49A-E8DF-6544-B7B9-136C9E9A9884}" type="datetimeFigureOut">
               <a:rPr lang="en-US" smtClean="0"/>
-              <a:t>7/12/24</a:t>
+              <a:t>11/6/24</a:t>
             </a:fld>
             <a:endParaRPr lang="en-US"/>
           </a:p>
@@ -3010,7 +3010,7 @@
           <a:p>
             <a:fld id="{CE5BC49A-E8DF-6544-B7B9-136C9E9A9884}" type="datetimeFigureOut">
               <a:rPr lang="en-US" smtClean="0"/>
-              <a:t>7/12/24</a:t>
+              <a:t>11/6/24</a:t>
             </a:fld>
             <a:endParaRPr lang="en-US"/>
           </a:p>
@@ -3598,7 +3598,7 @@
           <p:spPr>
             <a:xfrm>
               <a:off x="3779629" y="2604712"/>
-              <a:ext cx="803365" cy="707886"/>
+              <a:ext cx="803365" cy="553998"/>
             </a:xfrm>
             <a:prstGeom prst="rect">
               <a:avLst/>
@@ -3613,10 +3613,10 @@
             <a:p>
               <a:pPr algn="ctr"/>
               <a:r>
-                <a:rPr lang="en-US" sz="4000" b="1" dirty="0">
+                <a:rPr lang="en-US" sz="3000" b="1" dirty="0">
                   <a:latin typeface="Helvetica" pitchFamily="2" charset="0"/>
                 </a:rPr>
-                <a:t>A.</a:t>
+                <a:t>a.</a:t>
               </a:r>
             </a:p>
           </p:txBody>
@@ -4969,7 +4969,7 @@
           <p:spPr>
             <a:xfrm>
               <a:off x="3779629" y="2604712"/>
-              <a:ext cx="803365" cy="707886"/>
+              <a:ext cx="803365" cy="553998"/>
             </a:xfrm>
             <a:prstGeom prst="rect">
               <a:avLst/>
@@ -4984,10 +4984,10 @@
             <a:p>
               <a:pPr algn="ctr"/>
               <a:r>
-                <a:rPr lang="en-US" sz="4000" b="1" dirty="0">
+                <a:rPr lang="en-US" sz="3000" b="1" dirty="0">
                   <a:latin typeface="Helvetica" pitchFamily="2" charset="0"/>
                 </a:rPr>
-                <a:t>B.</a:t>
+                <a:t>b.</a:t>
               </a:r>
             </a:p>
           </p:txBody>
